--- a/최종발표/캡스톤_회의용 ppt.pptx
+++ b/최종발표/캡스톤_회의용 ppt.pptx
@@ -37,25 +37,37 @@
   <p:notesSz cx="6858000" cy="9144000"/>
   <p:embeddedFontLst>
     <p:embeddedFont>
+      <p:font typeface="210 M고딕 030" panose="02020603020101020101" pitchFamily="18" charset="-127"/>
+      <p:regular r:id="rId30"/>
+    </p:embeddedFont>
+    <p:embeddedFont>
+      <p:font typeface="210 M고딕 060" panose="02020603020101020101" pitchFamily="18" charset="-127"/>
+      <p:regular r:id="rId31"/>
+    </p:embeddedFont>
+    <p:embeddedFont>
+      <p:font typeface="나눔고딕 ExtraBold" panose="020D0904000000000000" pitchFamily="50" charset="-127"/>
+      <p:bold r:id="rId32"/>
+    </p:embeddedFont>
+    <p:embeddedFont>
       <p:font typeface="Oswald" panose="00000500000000000000" pitchFamily="2" charset="0"/>
-      <p:regular r:id="rId30"/>
-      <p:bold r:id="rId31"/>
+      <p:regular r:id="rId33"/>
+      <p:bold r:id="rId34"/>
     </p:embeddedFont>
     <p:embeddedFont>
       <p:font typeface="Roboto Condensed" panose="02000000000000000000" pitchFamily="2" charset="0"/>
-      <p:regular r:id="rId32"/>
-      <p:bold r:id="rId33"/>
-      <p:italic r:id="rId34"/>
-      <p:boldItalic r:id="rId35"/>
+      <p:regular r:id="rId35"/>
+      <p:bold r:id="rId36"/>
+      <p:italic r:id="rId37"/>
+      <p:boldItalic r:id="rId38"/>
     </p:embeddedFont>
     <p:embeddedFont>
-      <p:font typeface="나눔고딕" pitchFamily="2" charset="-127"/>
-      <p:regular r:id="rId36"/>
-      <p:bold r:id="rId37"/>
+      <p:font typeface="나눔고딕" panose="020D0604000000000000" pitchFamily="50" charset="-127"/>
+      <p:regular r:id="rId39"/>
+      <p:bold r:id="rId40"/>
     </p:embeddedFont>
     <p:embeddedFont>
       <p:font typeface="휴먼엑스포" panose="02030504000101010101" pitchFamily="18" charset="-127"/>
-      <p:regular r:id="rId38"/>
+      <p:regular r:id="rId41"/>
     </p:embeddedFont>
   </p:embeddedFontLst>
   <p:defaultTextStyle>
@@ -2042,7 +2054,83 @@
               </a:spcAft>
               <a:buNone/>
             </a:pPr>
-            <a:endParaRPr/>
+            <a:r>
+              <a:rPr lang="ko-KR" altLang="en-US" dirty="0"/>
+              <a:t>팀 구조 </a:t>
+            </a:r>
+            <a:r>
+              <a:rPr lang="en-US" altLang="ko-KR" dirty="0"/>
+              <a:t>&gt; </a:t>
+            </a:r>
+            <a:r>
+              <a:rPr lang="ko-KR" altLang="en-US" dirty="0"/>
+              <a:t>프로젝트 설명</a:t>
+            </a:r>
+            <a:r>
+              <a:rPr lang="en-US" altLang="ko-KR" dirty="0"/>
+              <a:t>(</a:t>
+            </a:r>
+            <a:r>
+              <a:rPr lang="ko-KR" altLang="en-US" dirty="0"/>
+              <a:t>기획배경</a:t>
+            </a:r>
+            <a:r>
+              <a:rPr lang="en-US" altLang="ko-KR" dirty="0"/>
+              <a:t>, </a:t>
+            </a:r>
+            <a:r>
+              <a:rPr lang="ko-KR" altLang="en-US" dirty="0"/>
+              <a:t>기대효과</a:t>
+            </a:r>
+            <a:r>
+              <a:rPr lang="en-US" altLang="ko-KR" dirty="0"/>
+              <a:t>)</a:t>
+            </a:r>
+            <a:r>
+              <a:rPr lang="ko-KR" altLang="en-US" dirty="0"/>
+              <a:t> </a:t>
+            </a:r>
+            <a:r>
+              <a:rPr lang="en-US" altLang="ko-KR" dirty="0"/>
+              <a:t>&gt; </a:t>
+            </a:r>
+            <a:r>
+              <a:rPr lang="ko-KR" altLang="en-US" dirty="0"/>
+              <a:t>산출물 설명</a:t>
+            </a:r>
+            <a:r>
+              <a:rPr lang="en-US" altLang="ko-KR" dirty="0"/>
+              <a:t>(</a:t>
+            </a:r>
+            <a:r>
+              <a:rPr lang="ko-KR" altLang="en-US" dirty="0"/>
+              <a:t>중간고사 때 이미 했으니 대략적으로</a:t>
+            </a:r>
+            <a:r>
+              <a:rPr lang="en-US" altLang="ko-KR" dirty="0"/>
+              <a:t>) &gt; </a:t>
+            </a:r>
+            <a:r>
+              <a:rPr lang="ko-KR" altLang="en-US" dirty="0" err="1"/>
+              <a:t>파트별</a:t>
+            </a:r>
+            <a:r>
+              <a:rPr lang="ko-KR" altLang="en-US" dirty="0"/>
+              <a:t> 작업 내용 및 결과물 </a:t>
+            </a:r>
+            <a:r>
+              <a:rPr lang="en-US" altLang="ko-KR"/>
+              <a:t>&amp; </a:t>
+            </a:r>
+            <a:r>
+              <a:rPr lang="ko-KR" altLang="en-US"/>
+              <a:t>테스팅 </a:t>
+            </a:r>
+            <a:r>
+              <a:rPr lang="ko-KR" altLang="en-US" dirty="0"/>
+              <a:t>결과</a:t>
+            </a:r>
+            <a:endParaRPr dirty="0"/>
           </a:p>
         </p:txBody>
       </p:sp>
@@ -12032,7 +12120,7 @@
               <a:buNone/>
             </a:pPr>
             <a:r>
-              <a:rPr lang="ko-KR" altLang="en-US" dirty="0" err="1">
+              <a:rPr lang="ko-KR" altLang="en-US" dirty="0">
                 <a:solidFill>
                   <a:schemeClr val="lt1"/>
                 </a:solidFill>
@@ -12040,9 +12128,9 @@
                 <a:ea typeface="휴먼엑스포" panose="02030504000101010101" pitchFamily="18" charset="-127"/>
                 <a:sym typeface="Roboto Condensed"/>
               </a:rPr>
-              <a:t>ㅉㅉㅈ</a:t>
-            </a:r>
-            <a:endParaRPr dirty="0">
+              <a:t>결과물 및 테스팅</a:t>
+            </a:r>
+            <a:endParaRPr lang="en-US" altLang="ko-KR" dirty="0">
               <a:solidFill>
                 <a:schemeClr val="lt1"/>
               </a:solidFill>
@@ -12255,7 +12343,7 @@
         </p:spPr>
         <p:txBody>
           <a:bodyPr spcFirstLastPara="1" wrap="square" lIns="91425" tIns="91425" rIns="91425" bIns="91425" anchor="t" anchorCtr="0">
-            <a:normAutofit fontScale="85000" lnSpcReduction="20000"/>
+            <a:normAutofit fontScale="85000" lnSpcReduction="10000"/>
           </a:bodyPr>
           <a:lstStyle>
             <a:defPPr marR="0" lvl="0" algn="l" rtl="0">
@@ -21066,18 +21154,18 @@
 </file>
 
 <file path=customXml/item1.xml><?xml version="1.0" encoding="utf-8"?>
+<p:properties xmlns:p="http://schemas.microsoft.com/office/2006/metadata/properties" xmlns:xsi="http://www.w3.org/2001/XMLSchema-instance" xmlns:pc="http://schemas.microsoft.com/office/infopath/2007/PartnerControls">
+  <documentManagement/>
+</p:properties>
+</file>
+
+<file path=customXml/item2.xml><?xml version="1.0" encoding="utf-8"?>
 <?mso-contentType ?>
 <FormTemplates xmlns="http://schemas.microsoft.com/sharepoint/v3/contenttype/forms">
   <Display>DocumentLibraryForm</Display>
   <Edit>DocumentLibraryForm</Edit>
   <New>DocumentLibraryForm</New>
 </FormTemplates>
-</file>
-
-<file path=customXml/item2.xml><?xml version="1.0" encoding="utf-8"?>
-<p:properties xmlns:p="http://schemas.microsoft.com/office/2006/metadata/properties" xmlns:xsi="http://www.w3.org/2001/XMLSchema-instance" xmlns:pc="http://schemas.microsoft.com/office/infopath/2007/PartnerControls">
-  <documentManagement/>
-</p:properties>
 </file>
 
 <file path=customXml/item3.xml><?xml version="1.0" encoding="utf-8"?>
@@ -21213,14 +21301,6 @@
 </file>
 
 <file path=customXml/itemProps1.xml><?xml version="1.0" encoding="utf-8"?>
-<ds:datastoreItem xmlns:ds="http://schemas.openxmlformats.org/officeDocument/2006/customXml" ds:itemID="{8F1067A0-2CAD-4D0C-8108-16D4713322AF}">
-  <ds:schemaRefs>
-    <ds:schemaRef ds:uri="http://schemas.microsoft.com/sharepoint/v3/contenttype/forms"/>
-  </ds:schemaRefs>
-</ds:datastoreItem>
-</file>
-
-<file path=customXml/itemProps2.xml><?xml version="1.0" encoding="utf-8"?>
 <ds:datastoreItem xmlns:ds="http://schemas.openxmlformats.org/officeDocument/2006/customXml" ds:itemID="{F401040B-5601-4948-951E-794E363D39CB}">
   <ds:schemaRefs>
     <ds:schemaRef ds:uri="32e0b9af-762a-4089-b101-b74a352bf303"/>
@@ -21232,6 +21312,14 @@
     <ds:schemaRef ds:uri="http://schemas.microsoft.com/office/2006/metadata/properties"/>
     <ds:schemaRef ds:uri="http://purl.org/dc/dcmitype/"/>
     <ds:schemaRef ds:uri="http://purl.org/dc/elements/1.1/"/>
+  </ds:schemaRefs>
+</ds:datastoreItem>
+</file>
+
+<file path=customXml/itemProps2.xml><?xml version="1.0" encoding="utf-8"?>
+<ds:datastoreItem xmlns:ds="http://schemas.openxmlformats.org/officeDocument/2006/customXml" ds:itemID="{8F1067A0-2CAD-4D0C-8108-16D4713322AF}">
+  <ds:schemaRefs>
+    <ds:schemaRef ds:uri="http://schemas.microsoft.com/sharepoint/v3/contenttype/forms"/>
   </ds:schemaRefs>
 </ds:datastoreItem>
 </file>
